--- a/��������.pptx
+++ b/��������.pptx
@@ -292,7 +292,7 @@
           <a:p>
             <a:fld id="{3D46D123-4B3C-4D2F-BED9-6C7C46BDDF5E}" type="datetimeFigureOut">
               <a:rPr lang="ru-RU" smtClean="0"/>
-              <a:t>19.10.2011</a:t>
+              <a:t>27.02.2012</a:t>
             </a:fld>
             <a:endParaRPr lang="ru-RU"/>
           </a:p>
@@ -462,7 +462,7 @@
           <a:p>
             <a:fld id="{3D46D123-4B3C-4D2F-BED9-6C7C46BDDF5E}" type="datetimeFigureOut">
               <a:rPr lang="ru-RU" smtClean="0"/>
-              <a:t>19.10.2011</a:t>
+              <a:t>27.02.2012</a:t>
             </a:fld>
             <a:endParaRPr lang="ru-RU"/>
           </a:p>
@@ -642,7 +642,7 @@
           <a:p>
             <a:fld id="{3D46D123-4B3C-4D2F-BED9-6C7C46BDDF5E}" type="datetimeFigureOut">
               <a:rPr lang="ru-RU" smtClean="0"/>
-              <a:t>19.10.2011</a:t>
+              <a:t>27.02.2012</a:t>
             </a:fld>
             <a:endParaRPr lang="ru-RU"/>
           </a:p>
@@ -812,7 +812,7 @@
           <a:p>
             <a:fld id="{3D46D123-4B3C-4D2F-BED9-6C7C46BDDF5E}" type="datetimeFigureOut">
               <a:rPr lang="ru-RU" smtClean="0"/>
-              <a:t>19.10.2011</a:t>
+              <a:t>27.02.2012</a:t>
             </a:fld>
             <a:endParaRPr lang="ru-RU"/>
           </a:p>
@@ -1058,7 +1058,7 @@
           <a:p>
             <a:fld id="{3D46D123-4B3C-4D2F-BED9-6C7C46BDDF5E}" type="datetimeFigureOut">
               <a:rPr lang="ru-RU" smtClean="0"/>
-              <a:t>19.10.2011</a:t>
+              <a:t>27.02.2012</a:t>
             </a:fld>
             <a:endParaRPr lang="ru-RU"/>
           </a:p>
@@ -1346,7 +1346,7 @@
           <a:p>
             <a:fld id="{3D46D123-4B3C-4D2F-BED9-6C7C46BDDF5E}" type="datetimeFigureOut">
               <a:rPr lang="ru-RU" smtClean="0"/>
-              <a:t>19.10.2011</a:t>
+              <a:t>27.02.2012</a:t>
             </a:fld>
             <a:endParaRPr lang="ru-RU"/>
           </a:p>
@@ -1768,7 +1768,7 @@
           <a:p>
             <a:fld id="{3D46D123-4B3C-4D2F-BED9-6C7C46BDDF5E}" type="datetimeFigureOut">
               <a:rPr lang="ru-RU" smtClean="0"/>
-              <a:t>19.10.2011</a:t>
+              <a:t>27.02.2012</a:t>
             </a:fld>
             <a:endParaRPr lang="ru-RU"/>
           </a:p>
@@ -1886,7 +1886,7 @@
           <a:p>
             <a:fld id="{3D46D123-4B3C-4D2F-BED9-6C7C46BDDF5E}" type="datetimeFigureOut">
               <a:rPr lang="ru-RU" smtClean="0"/>
-              <a:t>19.10.2011</a:t>
+              <a:t>27.02.2012</a:t>
             </a:fld>
             <a:endParaRPr lang="ru-RU"/>
           </a:p>
@@ -1981,7 +1981,7 @@
           <a:p>
             <a:fld id="{3D46D123-4B3C-4D2F-BED9-6C7C46BDDF5E}" type="datetimeFigureOut">
               <a:rPr lang="ru-RU" smtClean="0"/>
-              <a:t>19.10.2011</a:t>
+              <a:t>27.02.2012</a:t>
             </a:fld>
             <a:endParaRPr lang="ru-RU"/>
           </a:p>
@@ -2258,7 +2258,7 @@
           <a:p>
             <a:fld id="{3D46D123-4B3C-4D2F-BED9-6C7C46BDDF5E}" type="datetimeFigureOut">
               <a:rPr lang="ru-RU" smtClean="0"/>
-              <a:t>19.10.2011</a:t>
+              <a:t>27.02.2012</a:t>
             </a:fld>
             <a:endParaRPr lang="ru-RU"/>
           </a:p>
@@ -2511,7 +2511,7 @@
           <a:p>
             <a:fld id="{3D46D123-4B3C-4D2F-BED9-6C7C46BDDF5E}" type="datetimeFigureOut">
               <a:rPr lang="ru-RU" smtClean="0"/>
-              <a:t>19.10.2011</a:t>
+              <a:t>27.02.2012</a:t>
             </a:fld>
             <a:endParaRPr lang="ru-RU"/>
           </a:p>
@@ -2724,7 +2724,7 @@
           <a:p>
             <a:fld id="{3D46D123-4B3C-4D2F-BED9-6C7C46BDDF5E}" type="datetimeFigureOut">
               <a:rPr lang="ru-RU" smtClean="0"/>
-              <a:t>19.10.2011</a:t>
+              <a:t>27.02.2012</a:t>
             </a:fld>
             <a:endParaRPr lang="ru-RU"/>
           </a:p>
@@ -5117,8 +5117,20 @@
               <a:t>—</a:t>
             </a:r>
             <a:r>
-              <a:rPr lang="ru-RU" dirty="0" smtClean="0"/>
-              <a:t>  Извещения об обработке</a:t>
+              <a:rPr lang="ru-RU" smtClean="0"/>
+              <a:t>  </a:t>
+            </a:r>
+            <a:r>
+              <a:rPr lang="ru-RU" smtClean="0"/>
+              <a:t>Квитанции </a:t>
+            </a:r>
+            <a:r>
+              <a:rPr lang="ru-RU" smtClean="0"/>
+              <a:t>об </a:t>
+            </a:r>
+            <a:r>
+              <a:rPr lang="ru-RU" smtClean="0"/>
+              <a:t>обработке ЛС</a:t>
             </a:r>
             <a:endParaRPr lang="ru-RU" dirty="0"/>
           </a:p>

--- a/��������.pptx
+++ b/��������.pptx
@@ -292,7 +292,7 @@
           <a:p>
             <a:fld id="{3D46D123-4B3C-4D2F-BED9-6C7C46BDDF5E}" type="datetimeFigureOut">
               <a:rPr lang="ru-RU" smtClean="0"/>
-              <a:t>27.02.2012</a:t>
+              <a:t>03.03.2012</a:t>
             </a:fld>
             <a:endParaRPr lang="ru-RU"/>
           </a:p>
@@ -462,7 +462,7 @@
           <a:p>
             <a:fld id="{3D46D123-4B3C-4D2F-BED9-6C7C46BDDF5E}" type="datetimeFigureOut">
               <a:rPr lang="ru-RU" smtClean="0"/>
-              <a:t>27.02.2012</a:t>
+              <a:t>03.03.2012</a:t>
             </a:fld>
             <a:endParaRPr lang="ru-RU"/>
           </a:p>
@@ -642,7 +642,7 @@
           <a:p>
             <a:fld id="{3D46D123-4B3C-4D2F-BED9-6C7C46BDDF5E}" type="datetimeFigureOut">
               <a:rPr lang="ru-RU" smtClean="0"/>
-              <a:t>27.02.2012</a:t>
+              <a:t>03.03.2012</a:t>
             </a:fld>
             <a:endParaRPr lang="ru-RU"/>
           </a:p>
@@ -812,7 +812,7 @@
           <a:p>
             <a:fld id="{3D46D123-4B3C-4D2F-BED9-6C7C46BDDF5E}" type="datetimeFigureOut">
               <a:rPr lang="ru-RU" smtClean="0"/>
-              <a:t>27.02.2012</a:t>
+              <a:t>03.03.2012</a:t>
             </a:fld>
             <a:endParaRPr lang="ru-RU"/>
           </a:p>
@@ -1058,7 +1058,7 @@
           <a:p>
             <a:fld id="{3D46D123-4B3C-4D2F-BED9-6C7C46BDDF5E}" type="datetimeFigureOut">
               <a:rPr lang="ru-RU" smtClean="0"/>
-              <a:t>27.02.2012</a:t>
+              <a:t>03.03.2012</a:t>
             </a:fld>
             <a:endParaRPr lang="ru-RU"/>
           </a:p>
@@ -1346,7 +1346,7 @@
           <a:p>
             <a:fld id="{3D46D123-4B3C-4D2F-BED9-6C7C46BDDF5E}" type="datetimeFigureOut">
               <a:rPr lang="ru-RU" smtClean="0"/>
-              <a:t>27.02.2012</a:t>
+              <a:t>03.03.2012</a:t>
             </a:fld>
             <a:endParaRPr lang="ru-RU"/>
           </a:p>
@@ -1768,7 +1768,7 @@
           <a:p>
             <a:fld id="{3D46D123-4B3C-4D2F-BED9-6C7C46BDDF5E}" type="datetimeFigureOut">
               <a:rPr lang="ru-RU" smtClean="0"/>
-              <a:t>27.02.2012</a:t>
+              <a:t>03.03.2012</a:t>
             </a:fld>
             <a:endParaRPr lang="ru-RU"/>
           </a:p>
@@ -1886,7 +1886,7 @@
           <a:p>
             <a:fld id="{3D46D123-4B3C-4D2F-BED9-6C7C46BDDF5E}" type="datetimeFigureOut">
               <a:rPr lang="ru-RU" smtClean="0"/>
-              <a:t>27.02.2012</a:t>
+              <a:t>03.03.2012</a:t>
             </a:fld>
             <a:endParaRPr lang="ru-RU"/>
           </a:p>
@@ -1981,7 +1981,7 @@
           <a:p>
             <a:fld id="{3D46D123-4B3C-4D2F-BED9-6C7C46BDDF5E}" type="datetimeFigureOut">
               <a:rPr lang="ru-RU" smtClean="0"/>
-              <a:t>27.02.2012</a:t>
+              <a:t>03.03.2012</a:t>
             </a:fld>
             <a:endParaRPr lang="ru-RU"/>
           </a:p>
@@ -2258,7 +2258,7 @@
           <a:p>
             <a:fld id="{3D46D123-4B3C-4D2F-BED9-6C7C46BDDF5E}" type="datetimeFigureOut">
               <a:rPr lang="ru-RU" smtClean="0"/>
-              <a:t>27.02.2012</a:t>
+              <a:t>03.03.2012</a:t>
             </a:fld>
             <a:endParaRPr lang="ru-RU"/>
           </a:p>
@@ -2511,7 +2511,7 @@
           <a:p>
             <a:fld id="{3D46D123-4B3C-4D2F-BED9-6C7C46BDDF5E}" type="datetimeFigureOut">
               <a:rPr lang="ru-RU" smtClean="0"/>
-              <a:t>27.02.2012</a:t>
+              <a:t>03.03.2012</a:t>
             </a:fld>
             <a:endParaRPr lang="ru-RU"/>
           </a:p>
@@ -2724,7 +2724,7 @@
           <a:p>
             <a:fld id="{3D46D123-4B3C-4D2F-BED9-6C7C46BDDF5E}" type="datetimeFigureOut">
               <a:rPr lang="ru-RU" smtClean="0"/>
-              <a:t>27.02.2012</a:t>
+              <a:t>03.03.2012</a:t>
             </a:fld>
             <a:endParaRPr lang="ru-RU"/>
           </a:p>
@@ -5076,8 +5076,8 @@
         </p:nvSpPr>
         <p:spPr>
           <a:xfrm>
-            <a:off x="3095836" y="2276872"/>
-            <a:ext cx="3096344" cy="720079"/>
+            <a:off x="3095836" y="2204864"/>
+            <a:ext cx="3096344" cy="864096"/>
           </a:xfrm>
           <a:prstGeom prst="roundRect">
             <a:avLst/>
@@ -5105,8 +5105,12 @@
           <a:p>
             <a:pPr algn="ctr"/>
             <a:r>
+              <a:rPr lang="en-US" dirty="0"/>
+              <a:t>r</a:t>
+            </a:r>
+            <a:r>
               <a:rPr lang="en-US" dirty="0" smtClean="0"/>
-              <a:t>Receipts.xml</a:t>
+              <a:t>eceipts.xml</a:t>
             </a:r>
             <a:r>
               <a:rPr lang="ru-RU" dirty="0" smtClean="0"/>
@@ -5122,15 +5126,15 @@
             </a:r>
             <a:r>
               <a:rPr lang="ru-RU" smtClean="0"/>
-              <a:t>Квитанции </a:t>
-            </a:r>
-            <a:r>
-              <a:rPr lang="ru-RU" smtClean="0"/>
-              <a:t>об </a:t>
-            </a:r>
-            <a:r>
-              <a:rPr lang="ru-RU" smtClean="0"/>
-              <a:t>обработке ЛС</a:t>
+              <a:t>технологические </a:t>
+            </a:r>
+            <a:r>
+              <a:rPr lang="ru-RU" dirty="0" smtClean="0"/>
+              <a:t>квитанции </a:t>
+            </a:r>
+            <a:r>
+              <a:rPr lang="ru-RU" dirty="0" smtClean="0"/>
+              <a:t>об обработке ЛС</a:t>
             </a:r>
             <a:endParaRPr lang="ru-RU" dirty="0"/>
           </a:p>
